--- a/schedule/notes/12-Heaps.pptx
+++ b/schedule/notes/12-Heaps.pptx
@@ -261,7 +261,7 @@
             <a:fld id="{E84971C4-D6ED-436C-8B49-F7A3B8634A12}" type="datetimeFigureOut">
               <a:rPr lang="en-US" smtClean="0"/>
               <a:pPr/>
-              <a:t>2/14/2021</a:t>
+              <a:t>2/18/2021</a:t>
             </a:fld>
             <a:endParaRPr lang="en-US"/>
           </a:p>
